--- a/Gesellschaftslehre/001_Gesellschaftlehre_Wochenbericht.pptx
+++ b/Gesellschaftslehre/001_Gesellschaftlehre_Wochenbericht.pptx
@@ -3853,8 +3853,8 @@
           </a:p>
         </p:txBody>
       </p:sp>
-      <mc:AlternateContent xmlns:mc="http://schemas.openxmlformats.org/markup-compatibility/2006" xmlns:a14="http://schemas.microsoft.com/office/drawing/2010/main">
-        <mc:Choice Requires="a14">
+      <mc:AlternateContent xmlns:mc="http://schemas.openxmlformats.org/markup-compatibility/2006">
+        <mc:Choice xmlns:a14="http://schemas.microsoft.com/office/drawing/2010/main" Requires="a14">
           <p:sp>
             <p:nvSpPr>
               <p:cNvPr id="3" name="Inhaltsplatzhalter 2">
@@ -4067,7 +4067,7 @@
                       <a:schemeClr val="bg1"/>
                     </a:solidFill>
                   </a:rPr>
-                  <a:t> Sachelzone</a:t>
+                  <a:t> Sahelzone</a:t>
                 </a:r>
               </a:p>
               <a:p>
@@ -4112,7 +4112,7 @@
             </p:txBody>
           </p:sp>
         </mc:Choice>
-        <mc:Fallback xmlns="">
+        <mc:Fallback>
           <p:sp>
             <p:nvSpPr>
               <p:cNvPr id="3" name="Inhaltsplatzhalter 2">
@@ -4795,54 +4795,6 @@
                 <a:spcPct val="150000"/>
               </a:lnSpc>
             </a:pPr>
-            <a:r>
-              <a:rPr lang="en-US" dirty="0" err="1">
-                <a:solidFill>
-                  <a:schemeClr val="bg1"/>
-                </a:solidFill>
-              </a:rPr>
-              <a:t>Nachbarlaender</a:t>
-            </a:r>
-            <a:r>
-              <a:rPr lang="en-US" dirty="0">
-                <a:solidFill>
-                  <a:schemeClr val="bg1"/>
-                </a:solidFill>
-              </a:rPr>
-              <a:t> </a:t>
-            </a:r>
-            <a:r>
-              <a:rPr lang="en-US" dirty="0" err="1">
-                <a:solidFill>
-                  <a:schemeClr val="bg1"/>
-                </a:solidFill>
-              </a:rPr>
-              <a:t>leiden</a:t>
-            </a:r>
-            <a:r>
-              <a:rPr lang="en-US" dirty="0">
-                <a:solidFill>
-                  <a:schemeClr val="bg1"/>
-                </a:solidFill>
-              </a:rPr>
-              <a:t> </a:t>
-            </a:r>
-            <a:r>
-              <a:rPr lang="en-US" dirty="0" err="1">
-                <a:solidFill>
-                  <a:schemeClr val="bg1"/>
-                </a:solidFill>
-              </a:rPr>
-              <a:t>ebenso</a:t>
-            </a:r>
-            <a:r>
-              <a:rPr lang="en-US" dirty="0">
-                <a:solidFill>
-                  <a:schemeClr val="bg1"/>
-                </a:solidFill>
-              </a:rPr>
-              <a:t> an </a:t>
-            </a:r>
             <a:r>
               <a:rPr lang="en-US" dirty="0" err="1">
                 <a:solidFill>
@@ -6787,8 +6739,8 @@
           </a:p>
         </p:txBody>
       </p:sp>
-      <mc:AlternateContent xmlns:mc="http://schemas.openxmlformats.org/markup-compatibility/2006">
-        <mc:Choice xmlns:a14="http://schemas.microsoft.com/office/drawing/2010/main" Requires="a14">
+      <mc:AlternateContent xmlns:mc="http://schemas.openxmlformats.org/markup-compatibility/2006" xmlns:a14="http://schemas.microsoft.com/office/drawing/2010/main">
+        <mc:Choice Requires="a14">
           <p:sp>
             <p:nvSpPr>
               <p:cNvPr id="3" name="Inhaltsplatzhalter 2">
@@ -7298,7 +7250,7 @@
             </p:txBody>
           </p:sp>
         </mc:Choice>
-        <mc:Fallback>
+        <mc:Fallback xmlns="">
           <p:sp>
             <p:nvSpPr>
               <p:cNvPr id="3" name="Inhaltsplatzhalter 2">
@@ -8581,8 +8533,8 @@
           </a:p>
         </p:txBody>
       </p:sp>
-      <mc:AlternateContent xmlns:mc="http://schemas.openxmlformats.org/markup-compatibility/2006">
-        <mc:Choice xmlns:a14="http://schemas.microsoft.com/office/drawing/2010/main" Requires="a14">
+      <mc:AlternateContent xmlns:mc="http://schemas.openxmlformats.org/markup-compatibility/2006" xmlns:a14="http://schemas.microsoft.com/office/drawing/2010/main">
+        <mc:Choice Requires="a14">
           <p:sp>
             <p:nvSpPr>
               <p:cNvPr id="3" name="Inhaltsplatzhalter 2">
@@ -8770,7 +8722,7 @@
             </p:txBody>
           </p:sp>
         </mc:Choice>
-        <mc:Fallback>
+        <mc:Fallback xmlns="">
           <p:sp>
             <p:nvSpPr>
               <p:cNvPr id="3" name="Inhaltsplatzhalter 2">

--- a/Gesellschaftslehre/001_Gesellschaftlehre_Wochenbericht.pptx
+++ b/Gesellschaftslehre/001_Gesellschaftlehre_Wochenbericht.pptx
@@ -280,7 +280,7 @@
           <a:p>
             <a:fld id="{4539E746-EE64-4906-A74C-7C816821F86E}" type="datetimeFigureOut">
               <a:rPr lang="de-DE" smtClean="0"/>
-              <a:t>23.09.2023</a:t>
+              <a:t>24.09.2023</a:t>
             </a:fld>
             <a:endParaRPr lang="de-DE"/>
           </a:p>
@@ -481,7 +481,7 @@
           <a:p>
             <a:fld id="{4539E746-EE64-4906-A74C-7C816821F86E}" type="datetimeFigureOut">
               <a:rPr lang="de-DE" smtClean="0"/>
-              <a:t>23.09.2023</a:t>
+              <a:t>24.09.2023</a:t>
             </a:fld>
             <a:endParaRPr lang="de-DE"/>
           </a:p>
@@ -692,7 +692,7 @@
           <a:p>
             <a:fld id="{4539E746-EE64-4906-A74C-7C816821F86E}" type="datetimeFigureOut">
               <a:rPr lang="de-DE" smtClean="0"/>
-              <a:t>23.09.2023</a:t>
+              <a:t>24.09.2023</a:t>
             </a:fld>
             <a:endParaRPr lang="de-DE"/>
           </a:p>
@@ -893,7 +893,7 @@
           <a:p>
             <a:fld id="{4539E746-EE64-4906-A74C-7C816821F86E}" type="datetimeFigureOut">
               <a:rPr lang="de-DE" smtClean="0"/>
-              <a:t>23.09.2023</a:t>
+              <a:t>24.09.2023</a:t>
             </a:fld>
             <a:endParaRPr lang="de-DE"/>
           </a:p>
@@ -1171,7 +1171,7 @@
           <a:p>
             <a:fld id="{4539E746-EE64-4906-A74C-7C816821F86E}" type="datetimeFigureOut">
               <a:rPr lang="de-DE" smtClean="0"/>
-              <a:t>23.09.2023</a:t>
+              <a:t>24.09.2023</a:t>
             </a:fld>
             <a:endParaRPr lang="de-DE"/>
           </a:p>
@@ -1439,7 +1439,7 @@
           <a:p>
             <a:fld id="{4539E746-EE64-4906-A74C-7C816821F86E}" type="datetimeFigureOut">
               <a:rPr lang="de-DE" smtClean="0"/>
-              <a:t>23.09.2023</a:t>
+              <a:t>24.09.2023</a:t>
             </a:fld>
             <a:endParaRPr lang="de-DE"/>
           </a:p>
@@ -1854,7 +1854,7 @@
           <a:p>
             <a:fld id="{4539E746-EE64-4906-A74C-7C816821F86E}" type="datetimeFigureOut">
               <a:rPr lang="de-DE" smtClean="0"/>
-              <a:t>23.09.2023</a:t>
+              <a:t>24.09.2023</a:t>
             </a:fld>
             <a:endParaRPr lang="de-DE"/>
           </a:p>
@@ -1998,7 +1998,7 @@
           <a:p>
             <a:fld id="{4539E746-EE64-4906-A74C-7C816821F86E}" type="datetimeFigureOut">
               <a:rPr lang="de-DE" smtClean="0"/>
-              <a:t>23.09.2023</a:t>
+              <a:t>24.09.2023</a:t>
             </a:fld>
             <a:endParaRPr lang="de-DE"/>
           </a:p>
@@ -2114,7 +2114,7 @@
           <a:p>
             <a:fld id="{4539E746-EE64-4906-A74C-7C816821F86E}" type="datetimeFigureOut">
               <a:rPr lang="de-DE" smtClean="0"/>
-              <a:t>23.09.2023</a:t>
+              <a:t>24.09.2023</a:t>
             </a:fld>
             <a:endParaRPr lang="de-DE"/>
           </a:p>
@@ -2428,7 +2428,7 @@
           <a:p>
             <a:fld id="{4539E746-EE64-4906-A74C-7C816821F86E}" type="datetimeFigureOut">
               <a:rPr lang="de-DE" smtClean="0"/>
-              <a:t>23.09.2023</a:t>
+              <a:t>24.09.2023</a:t>
             </a:fld>
             <a:endParaRPr lang="de-DE"/>
           </a:p>
@@ -2719,7 +2719,7 @@
           <a:p>
             <a:fld id="{4539E746-EE64-4906-A74C-7C816821F86E}" type="datetimeFigureOut">
               <a:rPr lang="de-DE" smtClean="0"/>
-              <a:t>23.09.2023</a:t>
+              <a:t>24.09.2023</a:t>
             </a:fld>
             <a:endParaRPr lang="de-DE"/>
           </a:p>
@@ -2963,7 +2963,7 @@
           <a:p>
             <a:fld id="{4539E746-EE64-4906-A74C-7C816821F86E}" type="datetimeFigureOut">
               <a:rPr lang="de-DE" smtClean="0"/>
-              <a:t>23.09.2023</a:t>
+              <a:t>24.09.2023</a:t>
             </a:fld>
             <a:endParaRPr lang="de-DE"/>
           </a:p>
@@ -3853,8 +3853,8 @@
           </a:p>
         </p:txBody>
       </p:sp>
-      <mc:AlternateContent xmlns:mc="http://schemas.openxmlformats.org/markup-compatibility/2006">
-        <mc:Choice xmlns:a14="http://schemas.microsoft.com/office/drawing/2010/main" Requires="a14">
+      <mc:AlternateContent xmlns:mc="http://schemas.openxmlformats.org/markup-compatibility/2006" xmlns:a14="http://schemas.microsoft.com/office/drawing/2010/main">
+        <mc:Choice Requires="a14">
           <p:sp>
             <p:nvSpPr>
               <p:cNvPr id="3" name="Inhaltsplatzhalter 2">
@@ -4112,7 +4112,7 @@
             </p:txBody>
           </p:sp>
         </mc:Choice>
-        <mc:Fallback>
+        <mc:Fallback xmlns="">
           <p:sp>
             <p:nvSpPr>
               <p:cNvPr id="3" name="Inhaltsplatzhalter 2">
@@ -11425,7 +11425,7 @@
         </p:blipFill>
         <p:spPr>
           <a:xfrm>
-            <a:off x="0" y="0"/>
+            <a:off x="-1524" y="0"/>
             <a:ext cx="12192000" cy="6858000"/>
           </a:xfrm>
           <a:prstGeom prst="rect">
@@ -11436,6 +11436,104 @@
           </a:solidFill>
         </p:spPr>
       </p:pic>
+      <p:sp>
+        <p:nvSpPr>
+          <p:cNvPr id="6" name="Textfeld 5">
+            <a:extLst>
+              <a:ext uri="{FF2B5EF4-FFF2-40B4-BE49-F238E27FC236}">
+                <a16:creationId xmlns:a16="http://schemas.microsoft.com/office/drawing/2014/main" id="{32071C55-6446-2B3C-707C-F21E114785FC}"/>
+              </a:ext>
+            </a:extLst>
+          </p:cNvPr>
+          <p:cNvSpPr txBox="1"/>
+          <p:nvPr/>
+        </p:nvSpPr>
+        <p:spPr>
+          <a:xfrm>
+            <a:off x="1692997" y="2815223"/>
+            <a:ext cx="4861711" cy="369332"/>
+          </a:xfrm>
+          <a:prstGeom prst="rect">
+            <a:avLst/>
+          </a:prstGeom>
+          <a:noFill/>
+        </p:spPr>
+        <p:txBody>
+          <a:bodyPr wrap="square" rtlCol="0">
+            <a:spAutoFit/>
+          </a:bodyPr>
+          <a:lstStyle/>
+          <a:p>
+            <a:r>
+              <a:rPr lang="de-DE" b="1" i="0" dirty="0">
+                <a:solidFill>
+                  <a:schemeClr val="bg1"/>
+                </a:solidFill>
+                <a:effectLst/>
+                <a:latin typeface="Thesis"/>
+              </a:rPr>
+              <a:t>Oberst Major Amadou </a:t>
+            </a:r>
+            <a:r>
+              <a:rPr lang="de-DE" b="1" i="0" dirty="0" err="1">
+                <a:solidFill>
+                  <a:schemeClr val="bg1"/>
+                </a:solidFill>
+                <a:effectLst/>
+                <a:latin typeface="Thesis"/>
+              </a:rPr>
+              <a:t>Abdramane</a:t>
+            </a:r>
+            <a:endParaRPr lang="de-DE" b="1" dirty="0">
+              <a:solidFill>
+                <a:schemeClr val="bg1"/>
+              </a:solidFill>
+            </a:endParaRPr>
+          </a:p>
+        </p:txBody>
+      </p:sp>
+      <p:cxnSp>
+        <p:nvCxnSpPr>
+          <p:cNvPr id="8" name="Gerade Verbindung mit Pfeil 7">
+            <a:extLst>
+              <a:ext uri="{FF2B5EF4-FFF2-40B4-BE49-F238E27FC236}">
+                <a16:creationId xmlns:a16="http://schemas.microsoft.com/office/drawing/2014/main" id="{25A355B8-C94F-F11A-CA27-46AE8EAEA679}"/>
+              </a:ext>
+            </a:extLst>
+          </p:cNvPr>
+          <p:cNvCxnSpPr>
+            <a:cxnSpLocks/>
+            <a:stCxn id="6" idx="2"/>
+          </p:cNvCxnSpPr>
+          <p:nvPr/>
+        </p:nvCxnSpPr>
+        <p:spPr>
+          <a:xfrm>
+            <a:off x="4123853" y="3184555"/>
+            <a:ext cx="1181478" cy="789916"/>
+          </a:xfrm>
+          <a:prstGeom prst="straightConnector1">
+            <a:avLst/>
+          </a:prstGeom>
+          <a:ln>
+            <a:tailEnd type="triangle"/>
+          </a:ln>
+        </p:spPr>
+        <p:style>
+          <a:lnRef idx="3">
+            <a:schemeClr val="accent4"/>
+          </a:lnRef>
+          <a:fillRef idx="0">
+            <a:schemeClr val="accent4"/>
+          </a:fillRef>
+          <a:effectRef idx="2">
+            <a:schemeClr val="accent4"/>
+          </a:effectRef>
+          <a:fontRef idx="minor">
+            <a:schemeClr val="tx1"/>
+          </a:fontRef>
+        </p:style>
+      </p:cxnSp>
     </p:spTree>
     <p:extLst>
       <p:ext uri="{BB962C8B-B14F-4D97-AF65-F5344CB8AC3E}">
@@ -11631,13 +11729,53 @@
               </a:lnSpc>
             </a:pPr>
             <a:r>
-              <a:rPr lang="de-DE" dirty="0">
+              <a:rPr lang="en-US" dirty="0" err="1">
                 <a:solidFill>
                   <a:schemeClr val="bg1"/>
                 </a:solidFill>
               </a:rPr>
-              <a:t>Demokratie </a:t>
-            </a:r>
+              <a:t>Sicherheitsbedenken</a:t>
+            </a:r>
+            <a:endParaRPr lang="en-US" dirty="0">
+              <a:solidFill>
+                <a:schemeClr val="bg1"/>
+              </a:solidFill>
+            </a:endParaRPr>
+          </a:p>
+          <a:p>
+            <a:pPr lvl="1">
+              <a:lnSpc>
+                <a:spcPct val="250000"/>
+              </a:lnSpc>
+            </a:pPr>
+            <a:r>
+              <a:rPr lang="en-US" dirty="0">
+                <a:solidFill>
+                  <a:schemeClr val="bg1"/>
+                </a:solidFill>
+              </a:rPr>
+              <a:t>Terror Gruppen</a:t>
+            </a:r>
+          </a:p>
+          <a:p>
+            <a:pPr lvl="1">
+              <a:lnSpc>
+                <a:spcPct val="250000"/>
+              </a:lnSpc>
+            </a:pPr>
+            <a:r>
+              <a:rPr lang="en-US" dirty="0" err="1">
+                <a:solidFill>
+                  <a:schemeClr val="bg1"/>
+                </a:solidFill>
+              </a:rPr>
+              <a:t>Machtverhaeltnis</a:t>
+            </a:r>
+            <a:endParaRPr lang="en-US" dirty="0">
+              <a:solidFill>
+                <a:schemeClr val="bg1"/>
+              </a:solidFill>
+            </a:endParaRPr>
           </a:p>
           <a:p>
             <a:pPr>
@@ -11646,43 +11784,65 @@
               </a:lnSpc>
             </a:pPr>
             <a:r>
-              <a:rPr lang="de-DE" dirty="0">
+              <a:rPr lang="en-US" dirty="0" err="1">
                 <a:solidFill>
                   <a:schemeClr val="bg1"/>
                 </a:solidFill>
               </a:rPr>
-              <a:t>Schlechte Regierungsführung </a:t>
-            </a:r>
-          </a:p>
-          <a:p>
-            <a:pPr>
+              <a:t>Nicht</a:t>
+            </a:r>
+            <a:r>
+              <a:rPr lang="en-US" dirty="0">
+                <a:solidFill>
+                  <a:schemeClr val="bg1"/>
+                </a:solidFill>
+              </a:rPr>
+              <a:t> </a:t>
+            </a:r>
+            <a:r>
+              <a:rPr lang="en-US" dirty="0" err="1">
+                <a:solidFill>
+                  <a:schemeClr val="bg1"/>
+                </a:solidFill>
+              </a:rPr>
+              <a:t>faehige</a:t>
+            </a:r>
+            <a:r>
+              <a:rPr lang="en-US" dirty="0">
+                <a:solidFill>
+                  <a:schemeClr val="bg1"/>
+                </a:solidFill>
+              </a:rPr>
+              <a:t> </a:t>
+            </a:r>
+            <a:r>
+              <a:rPr lang="en-US" dirty="0" err="1">
+                <a:solidFill>
+                  <a:schemeClr val="bg1"/>
+                </a:solidFill>
+              </a:rPr>
+              <a:t>Regierung</a:t>
+            </a:r>
+            <a:r>
+              <a:rPr lang="en-US" dirty="0">
+                <a:solidFill>
+                  <a:schemeClr val="bg1"/>
+                </a:solidFill>
+              </a:rPr>
+              <a:t> </a:t>
+            </a:r>
+          </a:p>
+          <a:p>
+            <a:pPr lvl="1">
               <a:lnSpc>
                 <a:spcPct val="250000"/>
               </a:lnSpc>
             </a:pPr>
-            <a:r>
-              <a:rPr lang="de-DE" dirty="0">
-                <a:solidFill>
-                  <a:schemeClr val="bg1"/>
-                </a:solidFill>
-              </a:rPr>
-              <a:t>Sahelzone Machtverhältnis</a:t>
-            </a:r>
-          </a:p>
-          <a:p>
-            <a:pPr>
-              <a:lnSpc>
-                <a:spcPct val="250000"/>
-              </a:lnSpc>
-            </a:pPr>
-            <a:r>
-              <a:rPr lang="de-DE" dirty="0">
-                <a:solidFill>
-                  <a:schemeClr val="bg1"/>
-                </a:solidFill>
-              </a:rPr>
-              <a:t>Der Westen</a:t>
-            </a:r>
+            <a:endParaRPr lang="en-US" dirty="0">
+              <a:solidFill>
+                <a:schemeClr val="bg1"/>
+              </a:solidFill>
+            </a:endParaRPr>
           </a:p>
         </p:txBody>
       </p:sp>
@@ -12017,7 +12177,7 @@
       </p:par>
     </p:tnLst>
     <p:bldLst>
-      <p:bldP spid="3" grpId="0" build="p"/>
+      <p:bldP spid="3" grpId="0" uiExpand="1" build="p"/>
     </p:bldLst>
   </p:timing>
 </p:sld>

--- a/Gesellschaftslehre/001_Gesellschaftlehre_Wochenbericht.pptx
+++ b/Gesellschaftslehre/001_Gesellschaftlehre_Wochenbericht.pptx
@@ -3873,7 +3873,9 @@
             </p:nvSpPr>
             <p:spPr/>
             <p:txBody>
-              <a:bodyPr/>
+              <a:bodyPr>
+                <a:normAutofit/>
+              </a:bodyPr>
               <a:lstStyle/>
               <a:p>
                 <a:pPr>
@@ -3882,7 +3884,7 @@
                   </a:lnSpc>
                 </a:pPr>
                 <a:r>
-                  <a:rPr lang="en-US" dirty="0">
+                  <a:rPr lang="en-US" sz="3200" dirty="0">
                     <a:solidFill>
                       <a:schemeClr val="bg1"/>
                     </a:solidFill>
@@ -3890,14 +3892,14 @@
                   <a:t>Ablehnung der </a:t>
                 </a:r>
                 <a:r>
-                  <a:rPr lang="en-US" dirty="0" err="1">
+                  <a:rPr lang="en-US" sz="3200" dirty="0" err="1">
                     <a:solidFill>
                       <a:schemeClr val="bg1"/>
                     </a:solidFill>
                   </a:rPr>
                   <a:t>Militaerregierung</a:t>
                 </a:r>
-                <a:endParaRPr lang="en-US" dirty="0">
+                <a:endParaRPr lang="en-US" sz="3200" dirty="0">
                   <a:solidFill>
                     <a:schemeClr val="bg1"/>
                   </a:solidFill>
@@ -3910,7 +3912,7 @@
                   </a:lnSpc>
                 </a:pPr>
                 <a:r>
-                  <a:rPr lang="en-US" dirty="0" err="1">
+                  <a:rPr lang="en-US" sz="3200" dirty="0" err="1">
                     <a:solidFill>
                       <a:schemeClr val="bg1"/>
                     </a:solidFill>
@@ -3918,7 +3920,7 @@
                   <a:t>Proteste</a:t>
                 </a:r>
                 <a:r>
-                  <a:rPr lang="en-US" dirty="0">
+                  <a:rPr lang="en-US" sz="3200" dirty="0">
                     <a:solidFill>
                       <a:schemeClr val="bg1"/>
                     </a:solidFill>
@@ -3926,7 +3928,7 @@
                   <a:t> </a:t>
                 </a:r>
                 <a:r>
-                  <a:rPr lang="en-US" dirty="0" err="1">
+                  <a:rPr lang="en-US" sz="3200" dirty="0" err="1">
                     <a:solidFill>
                       <a:schemeClr val="bg1"/>
                     </a:solidFill>
@@ -3934,7 +3936,7 @@
                   <a:t>gegen</a:t>
                 </a:r>
                 <a:r>
-                  <a:rPr lang="en-US" dirty="0">
+                  <a:rPr lang="en-US" sz="3200" dirty="0">
                     <a:solidFill>
                       <a:schemeClr val="bg1"/>
                     </a:solidFill>
@@ -3942,14 +3944,14 @@
                   <a:t> </a:t>
                 </a:r>
                 <a:r>
-                  <a:rPr lang="en-US" dirty="0" err="1">
+                  <a:rPr lang="en-US" sz="3200" dirty="0" err="1">
                     <a:solidFill>
                       <a:schemeClr val="bg1"/>
                     </a:solidFill>
                   </a:rPr>
                   <a:t>Frankreich</a:t>
                 </a:r>
-                <a:endParaRPr lang="en-US" dirty="0">
+                <a:endParaRPr lang="en-US" sz="3200" dirty="0">
                   <a:solidFill>
                     <a:schemeClr val="bg1"/>
                   </a:solidFill>
@@ -3962,7 +3964,7 @@
                   </a:lnSpc>
                 </a:pPr>
                 <a:r>
-                  <a:rPr lang="en-US" dirty="0" err="1">
+                  <a:rPr lang="en-US" sz="3200" dirty="0" err="1">
                     <a:solidFill>
                       <a:schemeClr val="bg1"/>
                     </a:solidFill>
@@ -3970,7 +3972,7 @@
                   <a:t>Gefahr</a:t>
                 </a:r>
                 <a:r>
-                  <a:rPr lang="en-US" dirty="0">
+                  <a:rPr lang="en-US" sz="3200" dirty="0">
                     <a:solidFill>
                       <a:schemeClr val="bg1"/>
                     </a:solidFill>
@@ -3978,7 +3980,7 @@
                   <a:t> </a:t>
                 </a:r>
                 <a:r>
-                  <a:rPr lang="en-US" dirty="0" err="1">
+                  <a:rPr lang="en-US" sz="3200" dirty="0" err="1">
                     <a:solidFill>
                       <a:schemeClr val="bg1"/>
                     </a:solidFill>
@@ -3986,7 +3988,7 @@
                   <a:t>fuer</a:t>
                 </a:r>
                 <a:r>
-                  <a:rPr lang="en-US" dirty="0">
+                  <a:rPr lang="en-US" sz="3200" dirty="0">
                     <a:solidFill>
                       <a:schemeClr val="bg1"/>
                     </a:solidFill>
@@ -3994,7 +3996,7 @@
                   <a:t> </a:t>
                 </a:r>
                 <a:r>
-                  <a:rPr lang="en-US" dirty="0" err="1">
+                  <a:rPr lang="en-US" sz="3200" dirty="0" err="1">
                     <a:solidFill>
                       <a:schemeClr val="bg1"/>
                     </a:solidFill>
@@ -4002,7 +4004,7 @@
                   <a:t>eigene</a:t>
                 </a:r>
                 <a:r>
-                  <a:rPr lang="en-US" dirty="0">
+                  <a:rPr lang="en-US" sz="3200" dirty="0">
                     <a:solidFill>
                       <a:schemeClr val="bg1"/>
                     </a:solidFill>
@@ -4010,7 +4012,7 @@
                   <a:t> </a:t>
                 </a:r>
                 <a:r>
-                  <a:rPr lang="en-US" dirty="0" err="1">
+                  <a:rPr lang="en-US" sz="3200" dirty="0" err="1">
                     <a:solidFill>
                       <a:schemeClr val="bg1"/>
                     </a:solidFill>
@@ -4018,7 +4020,7 @@
                   <a:t>Truppen</a:t>
                 </a:r>
                 <a:r>
-                  <a:rPr lang="en-US" dirty="0">
+                  <a:rPr lang="en-US" sz="3200" dirty="0">
                     <a:solidFill>
                       <a:schemeClr val="bg1"/>
                     </a:solidFill>
@@ -4033,7 +4035,7 @@
                   </a:lnSpc>
                 </a:pPr>
                 <a:r>
-                  <a:rPr lang="en-US" dirty="0" err="1">
+                  <a:rPr lang="en-US" sz="3200" dirty="0" err="1">
                     <a:solidFill>
                       <a:schemeClr val="bg1"/>
                     </a:solidFill>
@@ -4041,7 +4043,7 @@
                   <a:t>Wichtiger</a:t>
                 </a:r>
                 <a:r>
-                  <a:rPr lang="en-US" dirty="0">
+                  <a:rPr lang="en-US" sz="3200" dirty="0">
                     <a:solidFill>
                       <a:schemeClr val="bg1"/>
                     </a:solidFill>
@@ -4051,7 +4053,7 @@
                 <a14:m>
                   <m:oMath xmlns:m="http://schemas.openxmlformats.org/officeDocument/2006/math">
                     <m:r>
-                      <a:rPr lang="en-US" i="1" dirty="0" smtClean="0">
+                      <a:rPr lang="en-US" sz="3200" i="1" dirty="0" smtClean="0">
                         <a:solidFill>
                           <a:schemeClr val="bg1"/>
                         </a:solidFill>
@@ -4062,7 +4064,7 @@
                   </m:oMath>
                 </a14:m>
                 <a:r>
-                  <a:rPr lang="en-US" dirty="0">
+                  <a:rPr lang="en-US" sz="3200" dirty="0">
                     <a:solidFill>
                       <a:schemeClr val="bg1"/>
                     </a:solidFill>
@@ -4077,7 +4079,7 @@
                   </a:lnSpc>
                 </a:pPr>
                 <a:r>
-                  <a:rPr lang="en-US" dirty="0" err="1">
+                  <a:rPr lang="en-US" sz="3200" dirty="0" err="1">
                     <a:solidFill>
                       <a:schemeClr val="bg1"/>
                     </a:solidFill>
@@ -4085,7 +4087,7 @@
                   <a:t>Teilabzug</a:t>
                 </a:r>
                 <a:r>
-                  <a:rPr lang="en-US" dirty="0">
+                  <a:rPr lang="en-US" sz="3200" dirty="0">
                     <a:solidFill>
                       <a:schemeClr val="bg1"/>
                     </a:solidFill>
@@ -4093,7 +4095,7 @@
                   <a:t> der 1.500 </a:t>
                 </a:r>
                 <a:r>
-                  <a:rPr lang="en-US" dirty="0" err="1">
+                  <a:rPr lang="en-US" sz="3200" dirty="0" err="1">
                     <a:solidFill>
                       <a:schemeClr val="bg1"/>
                     </a:solidFill>
@@ -4101,7 +4103,7 @@
                   <a:t>Soldaten</a:t>
                 </a:r>
                 <a:r>
-                  <a:rPr lang="en-US" dirty="0">
+                  <a:rPr lang="en-US" sz="3200" dirty="0">
                     <a:solidFill>
                       <a:schemeClr val="bg1"/>
                     </a:solidFill>
@@ -4133,7 +4135,7 @@
               <a:blipFill>
                 <a:blip r:embed="rId3"/>
                 <a:stretch>
-                  <a:fillRect l="-1043"/>
+                  <a:fillRect l="-1333" b="-700"/>
                 </a:stretch>
               </a:blipFill>
             </p:spPr>
@@ -4659,7 +4661,9 @@
         </p:nvSpPr>
         <p:spPr/>
         <p:txBody>
-          <a:bodyPr/>
+          <a:bodyPr>
+            <a:normAutofit/>
+          </a:bodyPr>
           <a:lstStyle/>
           <a:p>
             <a:pPr>
@@ -4668,30 +4672,14 @@
               </a:lnSpc>
             </a:pPr>
             <a:r>
-              <a:rPr lang="en-US" dirty="0" err="1">
+              <a:rPr lang="en-US" sz="3200" dirty="0" err="1">
                 <a:solidFill>
                   <a:schemeClr val="bg1"/>
                 </a:solidFill>
               </a:rPr>
-              <a:t>Viele</a:t>
-            </a:r>
-            <a:r>
-              <a:rPr lang="en-US" dirty="0">
-                <a:solidFill>
-                  <a:schemeClr val="bg1"/>
-                </a:solidFill>
-              </a:rPr>
-              <a:t> </a:t>
-            </a:r>
-            <a:r>
-              <a:rPr lang="en-US" dirty="0" err="1">
-                <a:solidFill>
-                  <a:schemeClr val="bg1"/>
-                </a:solidFill>
-              </a:rPr>
-              <a:t>Waffenkonfikte</a:t>
-            </a:r>
-            <a:endParaRPr lang="en-US" dirty="0">
+              <a:t>Waffenkonflikte</a:t>
+            </a:r>
+            <a:endParaRPr lang="en-US" sz="3200" dirty="0">
               <a:solidFill>
                 <a:schemeClr val="bg1"/>
               </a:solidFill>
@@ -4704,7 +4692,7 @@
               </a:lnSpc>
             </a:pPr>
             <a:r>
-              <a:rPr lang="en-US" dirty="0">
+              <a:rPr lang="en-US" sz="3200" dirty="0">
                 <a:solidFill>
                   <a:schemeClr val="bg1"/>
                 </a:solidFill>
@@ -4712,14 +4700,14 @@
               <a:t>Extreme </a:t>
             </a:r>
             <a:r>
-              <a:rPr lang="en-US" dirty="0" err="1">
+              <a:rPr lang="en-US" sz="3200" dirty="0" err="1">
                 <a:solidFill>
                   <a:schemeClr val="bg1"/>
                 </a:solidFill>
               </a:rPr>
               <a:t>Armut</a:t>
             </a:r>
-            <a:endParaRPr lang="en-US" dirty="0">
+            <a:endParaRPr lang="en-US" sz="3200" dirty="0">
               <a:solidFill>
                 <a:schemeClr val="bg1"/>
               </a:solidFill>
@@ -4732,14 +4720,14 @@
               </a:lnSpc>
             </a:pPr>
             <a:r>
-              <a:rPr lang="en-US" dirty="0" err="1">
+              <a:rPr lang="en-US" sz="3200" dirty="0" err="1">
                 <a:solidFill>
                   <a:schemeClr val="bg1"/>
                 </a:solidFill>
               </a:rPr>
               <a:t>Unterentwicklung</a:t>
             </a:r>
-            <a:endParaRPr lang="en-US" dirty="0">
+            <a:endParaRPr lang="en-US" sz="3200" dirty="0">
               <a:solidFill>
                 <a:schemeClr val="bg1"/>
               </a:solidFill>
@@ -4752,7 +4740,7 @@
               </a:lnSpc>
             </a:pPr>
             <a:r>
-              <a:rPr lang="en-US" dirty="0">
+              <a:rPr lang="en-US" sz="3200" dirty="0">
                 <a:solidFill>
                   <a:schemeClr val="bg1"/>
                 </a:solidFill>
@@ -4760,7 +4748,7 @@
               <a:t>Extreme </a:t>
             </a:r>
             <a:r>
-              <a:rPr lang="en-US" dirty="0" err="1">
+              <a:rPr lang="en-US" sz="3200" dirty="0" err="1">
                 <a:solidFill>
                   <a:schemeClr val="bg1"/>
                 </a:solidFill>
@@ -4768,7 +4756,7 @@
               <a:t>Auswirkungen</a:t>
             </a:r>
             <a:r>
-              <a:rPr lang="en-US" dirty="0">
+              <a:rPr lang="en-US" sz="3200" dirty="0">
                 <a:solidFill>
                   <a:schemeClr val="bg1"/>
                 </a:solidFill>
@@ -4776,14 +4764,14 @@
               <a:t> des </a:t>
             </a:r>
             <a:r>
-              <a:rPr lang="en-US" dirty="0" err="1">
+              <a:rPr lang="en-US" sz="3200" dirty="0" err="1">
                 <a:solidFill>
                   <a:schemeClr val="bg1"/>
                 </a:solidFill>
               </a:rPr>
               <a:t>Kilmawandels</a:t>
             </a:r>
-            <a:endParaRPr lang="en-US" dirty="0">
+            <a:endParaRPr lang="en-US" sz="3200" dirty="0">
               <a:solidFill>
                 <a:schemeClr val="bg1"/>
               </a:solidFill>
@@ -4796,7 +4784,7 @@
               </a:lnSpc>
             </a:pPr>
             <a:r>
-              <a:rPr lang="en-US" dirty="0" err="1">
+              <a:rPr lang="en-US" sz="3200" dirty="0" err="1">
                 <a:solidFill>
                   <a:schemeClr val="bg1"/>
                 </a:solidFill>
@@ -4804,14 +4792,14 @@
               <a:t>Militaerputschen</a:t>
             </a:r>
             <a:r>
-              <a:rPr lang="en-US" dirty="0">
+              <a:rPr lang="en-US" sz="3200" dirty="0">
                 <a:solidFill>
                   <a:schemeClr val="bg1"/>
                 </a:solidFill>
               </a:rPr>
               <a:t> </a:t>
             </a:r>
-            <a:endParaRPr lang="de-DE" dirty="0">
+            <a:endParaRPr lang="de-DE" sz="3200" dirty="0">
               <a:solidFill>
                 <a:schemeClr val="bg1"/>
               </a:solidFill>
@@ -5595,7 +5583,9 @@
         </p:nvSpPr>
         <p:spPr/>
         <p:txBody>
-          <a:bodyPr/>
+          <a:bodyPr>
+            <a:normAutofit/>
+          </a:bodyPr>
           <a:lstStyle/>
           <a:p>
             <a:pPr>
@@ -5604,7 +5594,7 @@
               </a:lnSpc>
             </a:pPr>
             <a:r>
-              <a:rPr lang="en-US" dirty="0">
+              <a:rPr lang="en-US" sz="3200" dirty="0">
                 <a:solidFill>
                   <a:schemeClr val="bg1"/>
                 </a:solidFill>
@@ -5612,14 +5602,14 @@
               <a:t>Plant </a:t>
             </a:r>
             <a:r>
-              <a:rPr lang="en-US" dirty="0" err="1">
+              <a:rPr lang="en-US" sz="3200" dirty="0" err="1">
                 <a:solidFill>
                   <a:schemeClr val="bg1"/>
                 </a:solidFill>
               </a:rPr>
               <a:t>einzugreifen</a:t>
             </a:r>
-            <a:endParaRPr lang="en-US" dirty="0">
+            <a:endParaRPr lang="en-US" sz="3200" dirty="0">
               <a:solidFill>
                 <a:schemeClr val="bg1"/>
               </a:solidFill>
@@ -5632,7 +5622,7 @@
               </a:lnSpc>
             </a:pPr>
             <a:r>
-              <a:rPr lang="en-US" dirty="0" err="1">
+              <a:rPr lang="en-US" sz="3200" dirty="0" err="1">
                 <a:solidFill>
                   <a:schemeClr val="bg1"/>
                 </a:solidFill>
@@ -5640,7 +5630,7 @@
               <a:t>Ordnung</a:t>
             </a:r>
             <a:r>
-              <a:rPr lang="en-US" dirty="0">
+              <a:rPr lang="en-US" sz="3200" dirty="0">
                 <a:solidFill>
                   <a:schemeClr val="bg1"/>
                 </a:solidFill>
@@ -5648,14 +5638,14 @@
               <a:t> </a:t>
             </a:r>
             <a:r>
-              <a:rPr lang="en-US" dirty="0" err="1">
+              <a:rPr lang="en-US" sz="3200" dirty="0" err="1">
                 <a:solidFill>
                   <a:schemeClr val="bg1"/>
                 </a:solidFill>
               </a:rPr>
               <a:t>wiederherstellen</a:t>
             </a:r>
-            <a:endParaRPr lang="en-US" dirty="0">
+            <a:endParaRPr lang="en-US" sz="3200" dirty="0">
               <a:solidFill>
                 <a:schemeClr val="bg1"/>
               </a:solidFill>
@@ -6191,7 +6181,7 @@
               <a:buNone/>
             </a:pPr>
             <a:r>
-              <a:rPr lang="de-DE" i="1" dirty="0">
+              <a:rPr lang="de-DE" sz="3600" i="1" dirty="0">
                 <a:solidFill>
                   <a:srgbClr val="FFFFFF"/>
                 </a:solidFill>
@@ -6612,7 +6602,7 @@
               <a:buNone/>
             </a:pPr>
             <a:r>
-              <a:rPr lang="de-DE" sz="2400" b="0" i="0" dirty="0">
+              <a:rPr lang="de-DE" sz="3200" b="0" i="0" dirty="0">
                 <a:solidFill>
                   <a:srgbClr val="D1D5DB"/>
                 </a:solidFill>
@@ -6621,7 +6611,7 @@
               </a:rPr>
               <a:t>Die westlichen Staaten sollten sich am besten aus der Situation heraushalten, da dies eventuell im Niger zu größeren Problemen führt oder sogar die noch stationierten Truppen in dem Land in eine noch gefährlichere Lage bringt als zuvor schon.</a:t>
             </a:r>
-            <a:endParaRPr lang="de-DE" sz="3600" dirty="0">
+            <a:endParaRPr lang="de-DE" sz="4400" dirty="0">
               <a:solidFill>
                 <a:srgbClr val="FFFFFF"/>
               </a:solidFill>
@@ -7420,13 +7410,13 @@
         </p:nvSpPr>
         <p:spPr>
           <a:xfrm>
-            <a:off x="838199" y="1825625"/>
-            <a:ext cx="5079522" cy="3816429"/>
+            <a:off x="929637" y="1758960"/>
+            <a:ext cx="5166362" cy="5030767"/>
           </a:xfrm>
         </p:spPr>
         <p:txBody>
           <a:bodyPr>
-            <a:normAutofit lnSpcReduction="10000"/>
+            <a:normAutofit fontScale="47500" lnSpcReduction="20000"/>
           </a:bodyPr>
           <a:lstStyle/>
           <a:p>
@@ -7436,7 +7426,7 @@
               </a:lnSpc>
             </a:pPr>
             <a:r>
-              <a:rPr lang="en-US" dirty="0">
+              <a:rPr lang="en-US" sz="6700" dirty="0">
                 <a:solidFill>
                   <a:schemeClr val="bg1"/>
                 </a:solidFill>
@@ -7444,7 +7434,7 @@
               <a:t>Was </a:t>
             </a:r>
             <a:r>
-              <a:rPr lang="en-US" dirty="0" err="1">
+              <a:rPr lang="en-US" sz="6700" dirty="0" err="1">
                 <a:solidFill>
                   <a:schemeClr val="bg1"/>
                 </a:solidFill>
@@ -7452,7 +7442,7 @@
               <a:t>ist</a:t>
             </a:r>
             <a:r>
-              <a:rPr lang="en-US" dirty="0">
+              <a:rPr lang="en-US" sz="6700" dirty="0">
                 <a:solidFill>
                   <a:schemeClr val="bg1"/>
                 </a:solidFill>
@@ -7460,7 +7450,7 @@
               <a:t> </a:t>
             </a:r>
             <a:r>
-              <a:rPr lang="en-US" dirty="0" err="1">
+              <a:rPr lang="en-US" sz="6700" dirty="0" err="1">
                 <a:solidFill>
                   <a:schemeClr val="bg1"/>
                 </a:solidFill>
@@ -7468,13 +7458,33 @@
               <a:t>ein</a:t>
             </a:r>
             <a:r>
-              <a:rPr lang="en-US" dirty="0">
+              <a:rPr lang="en-US" sz="6700" dirty="0">
                 <a:solidFill>
                   <a:schemeClr val="bg1"/>
                 </a:solidFill>
               </a:rPr>
               <a:t> Putsch?</a:t>
             </a:r>
+          </a:p>
+          <a:p>
+            <a:pPr>
+              <a:lnSpc>
+                <a:spcPct val="220000"/>
+              </a:lnSpc>
+            </a:pPr>
+            <a:r>
+              <a:rPr lang="de-DE" sz="6700" dirty="0">
+                <a:solidFill>
+                  <a:schemeClr val="bg1"/>
+                </a:solidFill>
+              </a:rPr>
+              <a:t>Hintergrundgeschichte</a:t>
+            </a:r>
+            <a:endParaRPr lang="en-US" sz="6700" dirty="0">
+              <a:solidFill>
+                <a:schemeClr val="bg1"/>
+              </a:solidFill>
+            </a:endParaRPr>
           </a:p>
           <a:p>
             <a:pPr>
@@ -7483,18 +7493,13 @@
               </a:lnSpc>
             </a:pPr>
             <a:r>
-              <a:rPr lang="de-DE" dirty="0">
+              <a:rPr lang="de-DE" sz="6700" dirty="0">
                 <a:solidFill>
                   <a:schemeClr val="bg1"/>
                 </a:solidFill>
               </a:rPr>
-              <a:t>Hintergrundgeschichte</a:t>
-            </a:r>
-            <a:endParaRPr lang="en-US" dirty="0">
-              <a:solidFill>
-                <a:schemeClr val="bg1"/>
-              </a:solidFill>
-            </a:endParaRPr>
+              <a:t>Was ist passiert?</a:t>
+            </a:r>
           </a:p>
           <a:p>
             <a:pPr>
@@ -7503,22 +7508,7 @@
               </a:lnSpc>
             </a:pPr>
             <a:r>
-              <a:rPr lang="de-DE" dirty="0">
-                <a:solidFill>
-                  <a:schemeClr val="bg1"/>
-                </a:solidFill>
-              </a:rPr>
-              <a:t>Was ist passiert?</a:t>
-            </a:r>
-          </a:p>
-          <a:p>
-            <a:pPr>
-              <a:lnSpc>
-                <a:spcPct val="200000"/>
-              </a:lnSpc>
-            </a:pPr>
-            <a:r>
-              <a:rPr lang="de-DE" dirty="0">
+              <a:rPr lang="de-DE" sz="6700" dirty="0">
                 <a:solidFill>
                   <a:schemeClr val="bg1"/>
                 </a:solidFill>
@@ -7545,8 +7535,8 @@
         </p:nvSpPr>
         <p:spPr>
           <a:xfrm>
-            <a:off x="5917721" y="1825625"/>
-            <a:ext cx="4960188" cy="3816429"/>
+            <a:off x="6248399" y="1553528"/>
+            <a:ext cx="4937761" cy="4801314"/>
           </a:xfrm>
           <a:prstGeom prst="rect">
             <a:avLst/>
@@ -7567,14 +7557,14 @@
               <a:buChar char="•"/>
             </a:pPr>
             <a:r>
-              <a:rPr lang="en-US" sz="2800" dirty="0" err="1">
+              <a:rPr lang="en-US" sz="3600" dirty="0" err="1">
                 <a:solidFill>
                   <a:schemeClr val="bg1"/>
                 </a:solidFill>
               </a:rPr>
               <a:t>Konsequenzen</a:t>
             </a:r>
-            <a:endParaRPr lang="en-US" sz="2800" dirty="0">
+            <a:endParaRPr lang="en-US" sz="3600" dirty="0">
               <a:solidFill>
                 <a:schemeClr val="bg1"/>
               </a:solidFill>
@@ -7589,7 +7579,7 @@
               <a:buChar char="•"/>
             </a:pPr>
             <a:r>
-              <a:rPr lang="en-US" sz="2800" dirty="0">
+              <a:rPr lang="en-US" sz="3600" dirty="0">
                 <a:solidFill>
                   <a:schemeClr val="bg1"/>
                 </a:solidFill>
@@ -7597,14 +7587,14 @@
               <a:t>Frage an </a:t>
             </a:r>
             <a:r>
-              <a:rPr lang="en-US" sz="2800" dirty="0" err="1">
+              <a:rPr lang="en-US" sz="3600" dirty="0" err="1">
                 <a:solidFill>
                   <a:schemeClr val="bg1"/>
                 </a:solidFill>
               </a:rPr>
               <a:t>euch</a:t>
             </a:r>
-            <a:endParaRPr lang="en-US" sz="2800" dirty="0">
+            <a:endParaRPr lang="en-US" sz="3600" dirty="0">
               <a:solidFill>
                 <a:schemeClr val="bg1"/>
               </a:solidFill>
@@ -7619,7 +7609,7 @@
               <a:buChar char="•"/>
             </a:pPr>
             <a:r>
-              <a:rPr lang="en-US" sz="2800" dirty="0" err="1">
+              <a:rPr lang="en-US" sz="3600" dirty="0" err="1">
                 <a:solidFill>
                   <a:schemeClr val="bg1"/>
                 </a:solidFill>
@@ -7627,7 +7617,7 @@
               <a:t>Meine</a:t>
             </a:r>
             <a:r>
-              <a:rPr lang="en-US" sz="2800" dirty="0">
+              <a:rPr lang="en-US" sz="3600" dirty="0">
                 <a:solidFill>
                   <a:schemeClr val="bg1"/>
                 </a:solidFill>
@@ -7635,14 +7625,14 @@
               <a:t> </a:t>
             </a:r>
             <a:r>
-              <a:rPr lang="en-US" sz="2800" dirty="0" err="1">
+              <a:rPr lang="en-US" sz="3600" dirty="0" err="1">
                 <a:solidFill>
                   <a:schemeClr val="bg1"/>
                 </a:solidFill>
               </a:rPr>
               <a:t>Meinung</a:t>
             </a:r>
-            <a:endParaRPr lang="en-US" sz="2800" dirty="0">
+            <a:endParaRPr lang="en-US" sz="3600" dirty="0">
               <a:solidFill>
                 <a:schemeClr val="bg1"/>
               </a:solidFill>
@@ -7657,14 +7647,14 @@
               <a:buChar char="•"/>
             </a:pPr>
             <a:r>
-              <a:rPr lang="en-US" sz="2800" dirty="0" err="1">
+              <a:rPr lang="en-US" sz="3600" dirty="0" err="1">
                 <a:solidFill>
                   <a:schemeClr val="bg1"/>
                 </a:solidFill>
               </a:rPr>
               <a:t>Quellen</a:t>
             </a:r>
-            <a:endParaRPr lang="en-US" sz="2800" dirty="0">
+            <a:endParaRPr lang="en-US" sz="3600" dirty="0">
               <a:solidFill>
                 <a:schemeClr val="bg1"/>
               </a:solidFill>
@@ -8553,8 +8543,8 @@
             </p:nvSpPr>
             <p:spPr>
               <a:xfrm>
-                <a:off x="1015753" y="1689326"/>
-                <a:ext cx="7015109" cy="4072043"/>
+                <a:off x="1015752" y="1689326"/>
+                <a:ext cx="9149327" cy="5290594"/>
               </a:xfrm>
             </p:spPr>
             <p:txBody>
@@ -8569,7 +8559,7 @@
                   </a:lnSpc>
                 </a:pPr>
                 <a:r>
-                  <a:rPr lang="en-US" sz="2000" b="1" dirty="0" err="1">
+                  <a:rPr lang="en-US" b="1" dirty="0" err="1">
                     <a:solidFill>
                       <a:srgbClr val="FFFFFF"/>
                     </a:solidFill>
@@ -8577,7 +8567,7 @@
                   <a:t>Ziel</a:t>
                 </a:r>
                 <a:r>
-                  <a:rPr lang="en-US" sz="2000" b="1" dirty="0">
+                  <a:rPr lang="en-US" b="1" dirty="0">
                     <a:solidFill>
                       <a:srgbClr val="FFFFFF"/>
                     </a:solidFill>
@@ -8587,7 +8577,7 @@
                 <a14:m>
                   <m:oMath xmlns:m="http://schemas.openxmlformats.org/officeDocument/2006/math">
                     <m:r>
-                      <a:rPr lang="en-US" sz="2000" b="1" i="1">
+                      <a:rPr lang="en-US" b="1" i="1">
                         <a:solidFill>
                           <a:srgbClr val="FFFFFF"/>
                         </a:solidFill>
@@ -8598,7 +8588,7 @@
                   </m:oMath>
                 </a14:m>
                 <a:r>
-                  <a:rPr lang="de-DE" sz="2000" b="1" dirty="0">
+                  <a:rPr lang="de-DE" b="1" dirty="0">
                     <a:solidFill>
                       <a:srgbClr val="FFFFFF"/>
                     </a:solidFill>
@@ -8613,7 +8603,7 @@
                   </a:lnSpc>
                 </a:pPr>
                 <a:r>
-                  <a:rPr lang="de-DE" sz="2000" b="1" dirty="0">
+                  <a:rPr lang="de-DE" b="1" dirty="0">
                     <a:solidFill>
                       <a:srgbClr val="FFFFFF"/>
                     </a:solidFill>
@@ -8628,7 +8618,7 @@
                   </a:lnSpc>
                 </a:pPr>
                 <a:r>
-                  <a:rPr lang="de-DE" sz="2000" b="1" dirty="0">
+                  <a:rPr lang="de-DE" sz="2800" b="1" dirty="0">
                     <a:solidFill>
                       <a:srgbClr val="FFFFFF"/>
                     </a:solidFill>
@@ -8643,7 +8633,7 @@
                   </a:lnSpc>
                 </a:pPr>
                 <a:r>
-                  <a:rPr lang="de-DE" sz="2000" b="1" dirty="0">
+                  <a:rPr lang="de-DE" sz="2800" b="1" dirty="0">
                     <a:solidFill>
                       <a:srgbClr val="FFFFFF"/>
                     </a:solidFill>
@@ -8658,7 +8648,7 @@
                   </a:lnSpc>
                 </a:pPr>
                 <a:r>
-                  <a:rPr lang="de-DE" sz="2000" b="1" dirty="0">
+                  <a:rPr lang="de-DE" sz="2800" b="1" dirty="0">
                     <a:solidFill>
                       <a:srgbClr val="FFFFFF"/>
                     </a:solidFill>
@@ -8673,7 +8663,7 @@
                   </a:lnSpc>
                 </a:pPr>
                 <a:r>
-                  <a:rPr lang="de-DE" sz="2000" b="1" dirty="0">
+                  <a:rPr lang="de-DE" b="1" dirty="0">
                     <a:solidFill>
                       <a:srgbClr val="FFFFFF"/>
                     </a:solidFill>
@@ -8683,7 +8673,7 @@
                 <a14:m>
                   <m:oMath xmlns:m="http://schemas.openxmlformats.org/officeDocument/2006/math">
                     <m:r>
-                      <a:rPr lang="de-DE" sz="2000" b="1" i="1">
+                      <a:rPr lang="de-DE" b="1" i="1">
                         <a:solidFill>
                           <a:srgbClr val="FFFFFF"/>
                         </a:solidFill>
@@ -8694,7 +8684,7 @@
                   </m:oMath>
                 </a14:m>
                 <a:r>
-                  <a:rPr lang="de-DE" sz="2000" b="1" dirty="0">
+                  <a:rPr lang="de-DE" b="1" dirty="0">
                     <a:solidFill>
                       <a:srgbClr val="FFFFFF"/>
                     </a:solidFill>
@@ -8741,13 +8731,13 @@
             </p:nvSpPr>
             <p:spPr>
               <a:xfrm>
-                <a:off x="1015753" y="1689326"/>
-                <a:ext cx="7015109" cy="4072043"/>
+                <a:off x="1015752" y="1689326"/>
+                <a:ext cx="9149327" cy="5290594"/>
               </a:xfrm>
               <a:blipFill>
                 <a:blip r:embed="rId3"/>
                 <a:stretch>
-                  <a:fillRect l="-783"/>
+                  <a:fillRect l="-1200"/>
                 </a:stretch>
               </a:blipFill>
             </p:spPr>
@@ -9295,7 +9285,9 @@
             </p:nvSpPr>
             <p:spPr/>
             <p:txBody>
-              <a:bodyPr/>
+              <a:bodyPr>
+                <a:normAutofit/>
+              </a:bodyPr>
               <a:lstStyle/>
               <a:p>
                 <a:pPr>
@@ -9304,7 +9296,7 @@
                   </a:lnSpc>
                 </a:pPr>
                 <a:r>
-                  <a:rPr lang="en-US" b="1" dirty="0">
+                  <a:rPr lang="en-US" sz="3200" b="1" dirty="0">
                     <a:solidFill>
                       <a:schemeClr val="bg1"/>
                     </a:solidFill>
@@ -9312,14 +9304,14 @@
                   <a:t>Franzoesiche </a:t>
                 </a:r>
                 <a:r>
-                  <a:rPr lang="en-US" b="1" dirty="0" err="1">
+                  <a:rPr lang="en-US" sz="3200" b="1" dirty="0" err="1">
                     <a:solidFill>
                       <a:schemeClr val="bg1"/>
                     </a:solidFill>
                   </a:rPr>
                   <a:t>Kolonie</a:t>
                 </a:r>
-                <a:endParaRPr lang="en-US" b="1" dirty="0">
+                <a:endParaRPr lang="en-US" sz="3200" b="1" dirty="0">
                   <a:solidFill>
                     <a:schemeClr val="bg1"/>
                   </a:solidFill>
@@ -9332,7 +9324,7 @@
                   </a:lnSpc>
                 </a:pPr>
                 <a:r>
-                  <a:rPr lang="en-US" b="1" dirty="0" err="1">
+                  <a:rPr lang="en-US" sz="3200" b="1" dirty="0" err="1">
                     <a:solidFill>
                       <a:schemeClr val="bg1"/>
                     </a:solidFill>
@@ -9340,13 +9332,26 @@
                   <a:t>Seit</a:t>
                 </a:r>
                 <a:r>
-                  <a:rPr lang="en-US" b="1" dirty="0">
+                  <a:rPr lang="en-US" sz="3200" b="1" dirty="0">
                     <a:solidFill>
                       <a:schemeClr val="bg1"/>
                     </a:solidFill>
                   </a:rPr>
-                  <a:t> 1960 unhanging</a:t>
+                  <a:t> 1960 </a:t>
                 </a:r>
+                <a:r>
+                  <a:rPr lang="en-US" sz="3200" b="1" dirty="0" err="1">
+                    <a:solidFill>
+                      <a:schemeClr val="bg1"/>
+                    </a:solidFill>
+                  </a:rPr>
+                  <a:t>unabhänging</a:t>
+                </a:r>
+                <a:endParaRPr lang="en-US" sz="3200" b="1" dirty="0">
+                  <a:solidFill>
+                    <a:schemeClr val="bg1"/>
+                  </a:solidFill>
+                </a:endParaRPr>
               </a:p>
               <a:p>
                 <a:pPr>
@@ -9355,7 +9360,7 @@
                   </a:lnSpc>
                 </a:pPr>
                 <a:r>
-                  <a:rPr lang="en-US" b="1" dirty="0">
+                  <a:rPr lang="en-US" sz="3200" b="1" dirty="0">
                     <a:solidFill>
                       <a:schemeClr val="bg1"/>
                     </a:solidFill>
@@ -9365,7 +9370,7 @@
                 <a14:m>
                   <m:oMath xmlns:m="http://schemas.openxmlformats.org/officeDocument/2006/math">
                     <m:r>
-                      <a:rPr lang="en-US" b="1" i="1" dirty="0" smtClean="0">
+                      <a:rPr lang="en-US" sz="3200" b="1" i="1" dirty="0" smtClean="0">
                         <a:solidFill>
                           <a:schemeClr val="bg1"/>
                         </a:solidFill>
@@ -9376,7 +9381,7 @@
                   </m:oMath>
                 </a14:m>
                 <a:r>
-                  <a:rPr lang="en-US" b="1" dirty="0">
+                  <a:rPr lang="en-US" sz="3200" b="1" dirty="0">
                     <a:solidFill>
                       <a:schemeClr val="bg1"/>
                     </a:solidFill>
@@ -9384,14 +9389,14 @@
                   <a:t> Mamadou </a:t>
                 </a:r>
                 <a:r>
-                  <a:rPr lang="en-US" b="1" dirty="0" err="1">
+                  <a:rPr lang="en-US" sz="3200" b="1" dirty="0" err="1">
                     <a:solidFill>
                       <a:schemeClr val="bg1"/>
                     </a:solidFill>
                   </a:rPr>
                   <a:t>Tandja</a:t>
                 </a:r>
-                <a:endParaRPr lang="en-US" b="1" dirty="0">
+                <a:endParaRPr lang="en-US" sz="3200" b="1" dirty="0">
                   <a:solidFill>
                     <a:schemeClr val="bg1"/>
                   </a:solidFill>
@@ -9421,7 +9426,7 @@
               <a:blipFill>
                 <a:blip r:embed="rId3"/>
                 <a:stretch>
-                  <a:fillRect l="-1043"/>
+                  <a:fillRect l="-1333"/>
                 </a:stretch>
               </a:blipFill>
             </p:spPr>
@@ -9833,7 +9838,7 @@
             </p:spPr>
             <p:txBody>
               <a:bodyPr>
-                <a:normAutofit/>
+                <a:noAutofit/>
               </a:bodyPr>
               <a:lstStyle/>
               <a:p>
@@ -9843,7 +9848,7 @@
                   </a:lnSpc>
                 </a:pPr>
                 <a:r>
-                  <a:rPr lang="en-US" b="1" dirty="0">
+                  <a:rPr lang="en-US" sz="3200" b="1" dirty="0">
                     <a:solidFill>
                       <a:schemeClr val="bg1"/>
                     </a:solidFill>
@@ -9851,14 +9856,14 @@
                   <a:t>2010 </a:t>
                 </a:r>
                 <a:r>
-                  <a:rPr lang="en-US" b="1" dirty="0" err="1">
+                  <a:rPr lang="en-US" sz="3200" b="1" dirty="0" err="1">
                     <a:solidFill>
                       <a:schemeClr val="bg1"/>
                     </a:solidFill>
                   </a:rPr>
                   <a:t>Militärputsch</a:t>
                 </a:r>
-                <a:endParaRPr lang="en-US" b="1" dirty="0">
+                <a:endParaRPr lang="en-US" sz="3200" b="1" dirty="0">
                   <a:solidFill>
                     <a:schemeClr val="bg1"/>
                   </a:solidFill>
@@ -9871,7 +9876,7 @@
                   </a:lnSpc>
                 </a:pPr>
                 <a:r>
-                  <a:rPr lang="en-US" b="1" dirty="0">
+                  <a:rPr lang="en-US" sz="3200" b="1" dirty="0">
                     <a:solidFill>
                       <a:schemeClr val="bg1"/>
                     </a:solidFill>
@@ -9879,14 +9884,14 @@
                   <a:t>Neue </a:t>
                 </a:r>
                 <a:r>
-                  <a:rPr lang="en-US" b="1" dirty="0" err="1">
+                  <a:rPr lang="en-US" sz="3200" b="1" dirty="0" err="1">
                     <a:solidFill>
                       <a:schemeClr val="bg1"/>
                     </a:solidFill>
                   </a:rPr>
                   <a:t>Verfassung</a:t>
                 </a:r>
-                <a:endParaRPr lang="en-US" b="1" dirty="0">
+                <a:endParaRPr lang="en-US" sz="3200" b="1" dirty="0">
                   <a:solidFill>
                     <a:schemeClr val="bg1"/>
                   </a:solidFill>
@@ -9899,7 +9904,7 @@
                   </a:lnSpc>
                 </a:pPr>
                 <a:r>
-                  <a:rPr lang="en-US" b="1" dirty="0" err="1">
+                  <a:rPr lang="en-US" sz="2800" b="1" dirty="0" err="1">
                     <a:solidFill>
                       <a:schemeClr val="bg1"/>
                     </a:solidFill>
@@ -9907,7 +9912,7 @@
                   <a:t>Buergerrechte</a:t>
                 </a:r>
                 <a:r>
-                  <a:rPr lang="en-US" b="1" dirty="0">
+                  <a:rPr lang="en-US" sz="2800" b="1" dirty="0">
                     <a:solidFill>
                       <a:schemeClr val="bg1"/>
                     </a:solidFill>
@@ -9922,7 +9927,7 @@
                   </a:lnSpc>
                 </a:pPr>
                 <a:r>
-                  <a:rPr lang="en-US" b="1" dirty="0" err="1">
+                  <a:rPr lang="en-US" sz="2800" b="1" dirty="0" err="1">
                     <a:solidFill>
                       <a:schemeClr val="bg1"/>
                     </a:solidFill>
@@ -9930,7 +9935,7 @@
                   <a:t>Refundum</a:t>
                 </a:r>
                 <a:r>
-                  <a:rPr lang="en-US" b="1" dirty="0">
+                  <a:rPr lang="en-US" sz="2800" b="1" dirty="0">
                     <a:solidFill>
                       <a:schemeClr val="bg1"/>
                     </a:solidFill>
@@ -9938,14 +9943,14 @@
                   <a:t> </a:t>
                 </a:r>
                 <a:r>
-                  <a:rPr lang="en-US" b="1" dirty="0" err="1">
+                  <a:rPr lang="en-US" sz="2800" b="1" dirty="0" err="1">
                     <a:solidFill>
                       <a:schemeClr val="bg1"/>
                     </a:solidFill>
                   </a:rPr>
                   <a:t>angenommen</a:t>
                 </a:r>
-                <a:endParaRPr lang="en-US" b="1" dirty="0">
+                <a:endParaRPr lang="en-US" sz="2800" b="1" dirty="0">
                   <a:solidFill>
                     <a:schemeClr val="bg1"/>
                   </a:solidFill>
@@ -9953,7 +9958,7 @@
               </a:p>
               <a:p>
                 <a:r>
-                  <a:rPr lang="de-DE" b="1" dirty="0">
+                  <a:rPr lang="de-DE" sz="3200" b="1" dirty="0">
                     <a:solidFill>
                       <a:schemeClr val="bg1"/>
                     </a:solidFill>
@@ -9963,7 +9968,7 @@
                 <a14:m>
                   <m:oMath xmlns:m="http://schemas.openxmlformats.org/officeDocument/2006/math">
                     <m:r>
-                      <a:rPr lang="de-DE" b="1" i="0" dirty="0" smtClean="0">
+                      <a:rPr lang="de-DE" sz="3200" b="1" i="0" dirty="0" smtClean="0">
                         <a:solidFill>
                           <a:schemeClr val="bg1"/>
                         </a:solidFill>
@@ -9974,7 +9979,7 @@
                   </m:oMath>
                 </a14:m>
                 <a:r>
-                  <a:rPr lang="de-DE" b="1" dirty="0">
+                  <a:rPr lang="de-DE" sz="3200" b="1" dirty="0">
                     <a:solidFill>
                       <a:schemeClr val="bg1"/>
                     </a:solidFill>
@@ -9985,7 +9990,7 @@
               <a:p>
                 <a:pPr lvl="1"/>
                 <a:r>
-                  <a:rPr lang="de-DE" b="1" dirty="0">
+                  <a:rPr lang="de-DE" sz="2800" b="1" dirty="0">
                     <a:solidFill>
                       <a:schemeClr val="bg1"/>
                     </a:solidFill>
@@ -9993,7 +9998,7 @@
                   <a:t>Mohamed </a:t>
                 </a:r>
                 <a:r>
-                  <a:rPr lang="de-DE" b="1" dirty="0" err="1">
+                  <a:rPr lang="de-DE" sz="2800" b="1" dirty="0" err="1">
                     <a:solidFill>
                       <a:schemeClr val="bg1"/>
                     </a:solidFill>
@@ -10001,7 +10006,7 @@
                   <a:t>Bazoum</a:t>
                 </a:r>
                 <a:r>
-                  <a:rPr lang="de-DE" b="1" dirty="0">
+                  <a:rPr lang="de-DE" sz="2800" b="1" dirty="0">
                     <a:solidFill>
                       <a:schemeClr val="bg1"/>
                     </a:solidFill>
@@ -10037,7 +10042,7 @@
               <a:blipFill>
                 <a:blip r:embed="rId3"/>
                 <a:stretch>
-                  <a:fillRect l="-1043"/>
+                  <a:fillRect l="-1333" b="-9222"/>
                 </a:stretch>
               </a:blipFill>
             </p:spPr>
@@ -10615,7 +10620,7 @@
                   </a:lnSpc>
                 </a:pPr>
                 <a:r>
-                  <a:rPr lang="en-US" b="1" dirty="0">
+                  <a:rPr lang="en-US" sz="3200" b="1" dirty="0">
                     <a:solidFill>
                       <a:schemeClr val="bg1"/>
                     </a:solidFill>
@@ -10625,7 +10630,7 @@
                 <a14:m>
                   <m:oMath xmlns:m="http://schemas.openxmlformats.org/officeDocument/2006/math">
                     <m:r>
-                      <a:rPr lang="en-US" b="1" i="1" dirty="0" smtClean="0">
+                      <a:rPr lang="en-US" sz="3200" b="1" i="1" dirty="0" smtClean="0">
                         <a:solidFill>
                           <a:schemeClr val="bg1"/>
                         </a:solidFill>
@@ -10636,7 +10641,7 @@
                   </m:oMath>
                 </a14:m>
                 <a:r>
-                  <a:rPr lang="en-US" b="1" dirty="0">
+                  <a:rPr lang="en-US" sz="3200" b="1" dirty="0">
                     <a:solidFill>
                       <a:schemeClr val="bg1"/>
                     </a:solidFill>
@@ -10651,7 +10656,7 @@
                   </a:lnSpc>
                 </a:pPr>
                 <a:r>
-                  <a:rPr lang="en-US" b="1" dirty="0" err="1">
+                  <a:rPr lang="en-US" sz="3200" b="1" dirty="0" err="1">
                     <a:solidFill>
                       <a:schemeClr val="bg1"/>
                     </a:solidFill>
@@ -10659,7 +10664,7 @@
                   <a:t>Festnahme</a:t>
                 </a:r>
                 <a:r>
-                  <a:rPr lang="en-US" b="1" dirty="0">
+                  <a:rPr lang="en-US" sz="3200" b="1" dirty="0">
                     <a:solidFill>
                       <a:schemeClr val="bg1"/>
                     </a:solidFill>
@@ -10669,7 +10674,7 @@
                 <a14:m>
                   <m:oMath xmlns:m="http://schemas.openxmlformats.org/officeDocument/2006/math">
                     <m:r>
-                      <a:rPr lang="en-US" b="1" i="1" dirty="0" smtClean="0">
+                      <a:rPr lang="en-US" sz="3200" b="1" i="1" dirty="0" smtClean="0">
                         <a:solidFill>
                           <a:schemeClr val="bg1"/>
                         </a:solidFill>
@@ -10680,7 +10685,7 @@
                   </m:oMath>
                 </a14:m>
                 <a:r>
-                  <a:rPr lang="en-US" b="1" dirty="0">
+                  <a:rPr lang="en-US" sz="3200" b="1" dirty="0">
                     <a:solidFill>
                       <a:schemeClr val="bg1"/>
                     </a:solidFill>
@@ -10688,14 +10693,14 @@
                   <a:t> Mohamed </a:t>
                 </a:r>
                 <a:r>
-                  <a:rPr lang="en-US" b="1" dirty="0" err="1">
+                  <a:rPr lang="en-US" sz="3200" b="1" dirty="0" err="1">
                     <a:solidFill>
                       <a:schemeClr val="bg1"/>
                     </a:solidFill>
                   </a:rPr>
                   <a:t>Bazoum</a:t>
                 </a:r>
-                <a:endParaRPr lang="de-DE" b="1" dirty="0">
+                <a:endParaRPr lang="de-DE" sz="3200" b="1" dirty="0">
                   <a:solidFill>
                     <a:schemeClr val="bg1"/>
                   </a:solidFill>
@@ -10708,7 +10713,7 @@
                   </a:lnSpc>
                 </a:pPr>
                 <a:r>
-                  <a:rPr lang="de-DE" b="1" dirty="0">
+                  <a:rPr lang="de-DE" sz="3200" b="1" dirty="0">
                     <a:solidFill>
                       <a:schemeClr val="bg1"/>
                     </a:solidFill>
@@ -10723,7 +10728,7 @@
                   </a:lnSpc>
                 </a:pPr>
                 <a:r>
-                  <a:rPr lang="de-DE" b="1" dirty="0">
+                  <a:rPr lang="de-DE" sz="3200" b="1" dirty="0">
                     <a:solidFill>
                       <a:schemeClr val="bg1"/>
                     </a:solidFill>
@@ -10733,7 +10738,7 @@
                 <a14:m>
                   <m:oMath xmlns:m="http://schemas.openxmlformats.org/officeDocument/2006/math">
                     <m:r>
-                      <a:rPr lang="de-DE" b="1" i="1" dirty="0" smtClean="0">
+                      <a:rPr lang="de-DE" sz="3200" b="1" i="1" dirty="0" smtClean="0">
                         <a:solidFill>
                           <a:schemeClr val="bg1"/>
                         </a:solidFill>
@@ -10744,7 +10749,7 @@
                   </m:oMath>
                 </a14:m>
                 <a:r>
-                  <a:rPr lang="de-DE" b="1" dirty="0">
+                  <a:rPr lang="de-DE" sz="3200" b="1" dirty="0">
                     <a:solidFill>
                       <a:schemeClr val="bg1"/>
                     </a:solidFill>
@@ -10759,7 +10764,7 @@
                   </a:lnSpc>
                 </a:pPr>
                 <a:r>
-                  <a:rPr lang="de-DE" b="1" dirty="0">
+                  <a:rPr lang="de-DE" sz="3200" b="1" dirty="0">
                     <a:solidFill>
                       <a:schemeClr val="bg1"/>
                     </a:solidFill>
@@ -10799,7 +10804,7 @@
               <a:blipFill>
                 <a:blip r:embed="rId3"/>
                 <a:stretch>
-                  <a:fillRect l="-1043"/>
+                  <a:fillRect l="-1333" b="-700"/>
                 </a:stretch>
               </a:blipFill>
             </p:spPr>
@@ -11451,7 +11456,7 @@
         <p:spPr>
           <a:xfrm>
             <a:off x="1692997" y="2815223"/>
-            <a:ext cx="4861711" cy="369332"/>
+            <a:ext cx="4861711" cy="1077218"/>
           </a:xfrm>
           <a:prstGeom prst="rect">
             <a:avLst/>
@@ -11465,7 +11470,7 @@
           <a:lstStyle/>
           <a:p>
             <a:r>
-              <a:rPr lang="de-DE" b="1" i="0" dirty="0">
+              <a:rPr lang="de-DE" sz="3200" b="1" i="0" dirty="0">
                 <a:solidFill>
                   <a:schemeClr val="bg1"/>
                 </a:solidFill>
@@ -11475,7 +11480,7 @@
               <a:t>Oberst Major Amadou </a:t>
             </a:r>
             <a:r>
-              <a:rPr lang="de-DE" b="1" i="0" dirty="0" err="1">
+              <a:rPr lang="de-DE" sz="3200" b="1" i="0" dirty="0" err="1">
                 <a:solidFill>
                   <a:schemeClr val="bg1"/>
                 </a:solidFill>
@@ -11484,7 +11489,7 @@
               </a:rPr>
               <a:t>Abdramane</a:t>
             </a:r>
-            <a:endParaRPr lang="de-DE" b="1" dirty="0">
+            <a:endParaRPr lang="de-DE" sz="3200" b="1" dirty="0">
               <a:solidFill>
                 <a:schemeClr val="bg1"/>
               </a:solidFill>
@@ -11509,8 +11514,8 @@
         </p:nvCxnSpPr>
         <p:spPr>
           <a:xfrm>
-            <a:off x="4123853" y="3184555"/>
-            <a:ext cx="1181478" cy="789916"/>
+            <a:off x="4123853" y="3892441"/>
+            <a:ext cx="1181478" cy="82030"/>
           </a:xfrm>
           <a:prstGeom prst="straightConnector1">
             <a:avLst/>
@@ -11605,7 +11610,7 @@
         </p:blipFill>
         <p:spPr>
           <a:xfrm>
-            <a:off x="0" y="10397"/>
+            <a:off x="-1" y="10397"/>
             <a:ext cx="12192001" cy="6847603"/>
           </a:xfrm>
           <a:prstGeom prst="rect">
@@ -11714,12 +11719,12 @@
         <p:spPr>
           <a:xfrm>
             <a:off x="838200" y="1411556"/>
-            <a:ext cx="10902352" cy="4851221"/>
+            <a:ext cx="11209020" cy="5255944"/>
           </a:xfrm>
         </p:spPr>
         <p:txBody>
           <a:bodyPr>
-            <a:normAutofit/>
+            <a:normAutofit fontScale="92500" lnSpcReduction="20000"/>
           </a:bodyPr>
           <a:lstStyle/>
           <a:p>
@@ -11729,14 +11734,14 @@
               </a:lnSpc>
             </a:pPr>
             <a:r>
-              <a:rPr lang="en-US" dirty="0" err="1">
+              <a:rPr lang="en-US" sz="3900" dirty="0" err="1">
                 <a:solidFill>
                   <a:schemeClr val="bg1"/>
                 </a:solidFill>
               </a:rPr>
               <a:t>Sicherheitsbedenken</a:t>
             </a:r>
-            <a:endParaRPr lang="en-US" dirty="0">
+            <a:endParaRPr lang="en-US" sz="3900" dirty="0">
               <a:solidFill>
                 <a:schemeClr val="bg1"/>
               </a:solidFill>
@@ -11749,7 +11754,7 @@
               </a:lnSpc>
             </a:pPr>
             <a:r>
-              <a:rPr lang="en-US" dirty="0">
+              <a:rPr lang="en-US" sz="3500" dirty="0">
                 <a:solidFill>
                   <a:schemeClr val="bg1"/>
                 </a:solidFill>
@@ -11764,14 +11769,14 @@
               </a:lnSpc>
             </a:pPr>
             <a:r>
-              <a:rPr lang="en-US" dirty="0" err="1">
+              <a:rPr lang="en-US" sz="3500" dirty="0" err="1">
                 <a:solidFill>
                   <a:schemeClr val="bg1"/>
                 </a:solidFill>
               </a:rPr>
               <a:t>Machtverhaeltnis</a:t>
             </a:r>
-            <a:endParaRPr lang="en-US" dirty="0">
+            <a:endParaRPr lang="en-US" sz="3500" dirty="0">
               <a:solidFill>
                 <a:schemeClr val="bg1"/>
               </a:solidFill>
@@ -11784,7 +11789,7 @@
               </a:lnSpc>
             </a:pPr>
             <a:r>
-              <a:rPr lang="en-US" dirty="0" err="1">
+              <a:rPr lang="en-US" sz="3900" dirty="0" err="1">
                 <a:solidFill>
                   <a:schemeClr val="bg1"/>
                 </a:solidFill>
@@ -11792,7 +11797,7 @@
               <a:t>Nicht</a:t>
             </a:r>
             <a:r>
-              <a:rPr lang="en-US" dirty="0">
+              <a:rPr lang="en-US" sz="3900" dirty="0">
                 <a:solidFill>
                   <a:schemeClr val="bg1"/>
                 </a:solidFill>
@@ -11800,7 +11805,7 @@
               <a:t> </a:t>
             </a:r>
             <a:r>
-              <a:rPr lang="en-US" dirty="0" err="1">
+              <a:rPr lang="en-US" sz="3900" dirty="0" err="1">
                 <a:solidFill>
                   <a:schemeClr val="bg1"/>
                 </a:solidFill>
@@ -11808,7 +11813,7 @@
               <a:t>faehige</a:t>
             </a:r>
             <a:r>
-              <a:rPr lang="en-US" dirty="0">
+              <a:rPr lang="en-US" sz="3900" dirty="0">
                 <a:solidFill>
                   <a:schemeClr val="bg1"/>
                 </a:solidFill>
@@ -11816,7 +11821,7 @@
               <a:t> </a:t>
             </a:r>
             <a:r>
-              <a:rPr lang="en-US" dirty="0" err="1">
+              <a:rPr lang="en-US" sz="3900" dirty="0" err="1">
                 <a:solidFill>
                   <a:schemeClr val="bg1"/>
                 </a:solidFill>
@@ -11824,7 +11829,7 @@
               <a:t>Regierung</a:t>
             </a:r>
             <a:r>
-              <a:rPr lang="en-US" dirty="0">
+              <a:rPr lang="en-US" sz="3900" dirty="0">
                 <a:solidFill>
                   <a:schemeClr val="bg1"/>
                 </a:solidFill>
@@ -12332,7 +12337,7 @@
         <p:spPr/>
         <p:txBody>
           <a:bodyPr>
-            <a:normAutofit lnSpcReduction="10000"/>
+            <a:noAutofit/>
           </a:bodyPr>
           <a:lstStyle/>
           <a:p>
@@ -12342,7 +12347,7 @@
               </a:lnSpc>
             </a:pPr>
             <a:r>
-              <a:rPr lang="en-US" dirty="0">
+              <a:rPr lang="en-US" sz="3200" dirty="0">
                 <a:solidFill>
                   <a:schemeClr val="bg1"/>
                 </a:solidFill>
@@ -12350,7 +12355,7 @@
               <a:t>Deutscher </a:t>
             </a:r>
             <a:r>
-              <a:rPr lang="en-US" dirty="0" err="1">
+              <a:rPr lang="en-US" sz="3200" dirty="0" err="1">
                 <a:solidFill>
                   <a:schemeClr val="bg1"/>
                 </a:solidFill>
@@ -12358,7 +12363,7 @@
               <a:t>Lufttransportstuetzpunkt</a:t>
             </a:r>
             <a:r>
-              <a:rPr lang="en-US" dirty="0">
+              <a:rPr lang="en-US" sz="3200" dirty="0">
                 <a:solidFill>
                   <a:schemeClr val="bg1"/>
                 </a:solidFill>
@@ -12373,7 +12378,7 @@
               </a:lnSpc>
             </a:pPr>
             <a:r>
-              <a:rPr lang="en-US" dirty="0" err="1">
+              <a:rPr lang="en-US" sz="2800" dirty="0" err="1">
                 <a:solidFill>
                   <a:schemeClr val="bg1"/>
                 </a:solidFill>
@@ -12381,7 +12386,7 @@
               <a:t>Abtransport</a:t>
             </a:r>
             <a:r>
-              <a:rPr lang="en-US" dirty="0">
+              <a:rPr lang="en-US" sz="2800" dirty="0">
                 <a:solidFill>
                   <a:schemeClr val="bg1"/>
                 </a:solidFill>
@@ -12389,7 +12394,7 @@
               <a:t> </a:t>
             </a:r>
             <a:r>
-              <a:rPr lang="en-US" dirty="0" err="1">
+              <a:rPr lang="en-US" sz="2800" dirty="0" err="1">
                 <a:solidFill>
                   <a:schemeClr val="bg1"/>
                 </a:solidFill>
@@ -12397,7 +12402,7 @@
               <a:t>aus</a:t>
             </a:r>
             <a:r>
-              <a:rPr lang="en-US" dirty="0">
+              <a:rPr lang="en-US" sz="2800" dirty="0">
                 <a:solidFill>
                   <a:schemeClr val="bg1"/>
                 </a:solidFill>
@@ -12412,7 +12417,7 @@
               </a:lnSpc>
             </a:pPr>
             <a:r>
-              <a:rPr lang="en-US" dirty="0" err="1">
+              <a:rPr lang="en-US" sz="2800" dirty="0" err="1">
                 <a:solidFill>
                   <a:schemeClr val="bg1"/>
                 </a:solidFill>
@@ -12420,7 +12425,7 @@
               <a:t>Versorgung</a:t>
             </a:r>
             <a:r>
-              <a:rPr lang="en-US" dirty="0">
+              <a:rPr lang="en-US" sz="2800" dirty="0">
                 <a:solidFill>
                   <a:schemeClr val="bg1"/>
                 </a:solidFill>
@@ -12428,7 +12433,7 @@
               <a:t> </a:t>
             </a:r>
             <a:r>
-              <a:rPr lang="en-US" dirty="0" err="1">
+              <a:rPr lang="en-US" sz="2800" dirty="0" err="1">
                 <a:solidFill>
                   <a:schemeClr val="bg1"/>
                 </a:solidFill>
@@ -12436,7 +12441,7 @@
               <a:t>fuer</a:t>
             </a:r>
             <a:r>
-              <a:rPr lang="en-US" dirty="0">
+              <a:rPr lang="en-US" sz="2800" dirty="0">
                 <a:solidFill>
                   <a:schemeClr val="bg1"/>
                 </a:solidFill>
@@ -12444,7 +12449,7 @@
               <a:t> </a:t>
             </a:r>
             <a:r>
-              <a:rPr lang="en-US" dirty="0" err="1">
+              <a:rPr lang="en-US" sz="2800" dirty="0" err="1">
                 <a:solidFill>
                   <a:schemeClr val="bg1"/>
                 </a:solidFill>
@@ -12452,7 +12457,7 @@
               <a:t>Operationen</a:t>
             </a:r>
             <a:r>
-              <a:rPr lang="en-US" dirty="0">
+              <a:rPr lang="en-US" sz="2800" dirty="0">
                 <a:solidFill>
                   <a:schemeClr val="bg1"/>
                 </a:solidFill>
@@ -12460,14 +12465,14 @@
               <a:t> in </a:t>
             </a:r>
             <a:r>
-              <a:rPr lang="en-US" dirty="0" err="1">
+              <a:rPr lang="en-US" sz="2800" dirty="0" err="1">
                 <a:solidFill>
                   <a:schemeClr val="bg1"/>
                 </a:solidFill>
               </a:rPr>
               <a:t>Westafrika</a:t>
             </a:r>
-            <a:endParaRPr lang="en-US" dirty="0">
+            <a:endParaRPr lang="en-US" sz="2800" dirty="0">
               <a:solidFill>
                 <a:schemeClr val="bg1"/>
               </a:solidFill>
@@ -12480,7 +12485,7 @@
               </a:lnSpc>
             </a:pPr>
             <a:r>
-              <a:rPr lang="en-US" dirty="0">
+              <a:rPr lang="en-US" sz="3200" dirty="0">
                 <a:solidFill>
                   <a:schemeClr val="bg1"/>
                 </a:solidFill>
@@ -12488,14 +12493,14 @@
               <a:t>100 </a:t>
             </a:r>
             <a:r>
-              <a:rPr lang="en-US" dirty="0" err="1">
+              <a:rPr lang="en-US" sz="3200" dirty="0" err="1">
                 <a:solidFill>
                   <a:schemeClr val="bg1"/>
                 </a:solidFill>
               </a:rPr>
               <a:t>Bundeswehrsoldaten</a:t>
             </a:r>
-            <a:endParaRPr lang="en-US" dirty="0">
+            <a:endParaRPr lang="en-US" sz="3200" dirty="0">
               <a:solidFill>
                 <a:schemeClr val="bg1"/>
               </a:solidFill>
@@ -12508,7 +12513,7 @@
               </a:lnSpc>
             </a:pPr>
             <a:r>
-              <a:rPr lang="en-US" dirty="0" err="1">
+              <a:rPr lang="en-US" sz="3200" dirty="0" err="1">
                 <a:solidFill>
                   <a:schemeClr val="bg1"/>
                 </a:solidFill>
@@ -12516,7 +12521,7 @@
               <a:t>Keine</a:t>
             </a:r>
             <a:r>
-              <a:rPr lang="en-US" dirty="0">
+              <a:rPr lang="en-US" sz="3200" dirty="0">
                 <a:solidFill>
                   <a:schemeClr val="bg1"/>
                 </a:solidFill>
@@ -12524,14 +12529,14 @@
               <a:t> </a:t>
             </a:r>
             <a:r>
-              <a:rPr lang="en-US" dirty="0" err="1">
+              <a:rPr lang="en-US" sz="3200" dirty="0" err="1">
                 <a:solidFill>
                   <a:schemeClr val="bg1"/>
                 </a:solidFill>
               </a:rPr>
               <a:t>Entwicklungszahlungen</a:t>
             </a:r>
-            <a:endParaRPr lang="de-DE" dirty="0">
+            <a:endParaRPr lang="de-DE" sz="3200" dirty="0">
               <a:solidFill>
                 <a:schemeClr val="bg1"/>
               </a:solidFill>
